--- a/docs/presentation-3.pptx
+++ b/docs/presentation-3.pptx
@@ -8,13 +8,14 @@
     <p:sldId id="256" r:id="rId2"/>
     <p:sldId id="257" r:id="rId3"/>
     <p:sldId id="258" r:id="rId4"/>
-    <p:sldId id="259" r:id="rId5"/>
-    <p:sldId id="260" r:id="rId6"/>
-    <p:sldId id="261" r:id="rId7"/>
-    <p:sldId id="266" r:id="rId8"/>
-    <p:sldId id="268" r:id="rId9"/>
-    <p:sldId id="263" r:id="rId10"/>
-    <p:sldId id="265" r:id="rId11"/>
+    <p:sldId id="269" r:id="rId5"/>
+    <p:sldId id="270" r:id="rId6"/>
+    <p:sldId id="271" r:id="rId7"/>
+    <p:sldId id="272" r:id="rId8"/>
+    <p:sldId id="266" r:id="rId9"/>
+    <p:sldId id="268" r:id="rId10"/>
+    <p:sldId id="263" r:id="rId11"/>
+    <p:sldId id="265" r:id="rId12"/>
   </p:sldIdLst>
   <p:sldSz cx="9144000" cy="6858000" type="screen4x3"/>
   <p:notesSz cx="6858000" cy="9144000"/>
@@ -4935,6 +4936,169 @@
           <a:bodyPr/>
           <a:lstStyle/>
           <a:p>
+            <a:r>
+              <a:rPr lang="en-US" dirty="0" smtClean="0">
+                <a:latin typeface="Museo Sans 300"/>
+                <a:cs typeface="Museo Sans 300"/>
+              </a:rPr>
+              <a:t>Preliminary </a:t>
+            </a:r>
+            <a:r>
+              <a:rPr lang="en-US" dirty="0" smtClean="0">
+                <a:latin typeface="Museo Sans 300"/>
+                <a:cs typeface="Museo Sans 300"/>
+              </a:rPr>
+              <a:t>v0.3.0 </a:t>
+            </a:r>
+            <a:r>
+              <a:rPr lang="en-US" dirty="0" smtClean="0">
+                <a:latin typeface="Museo Sans 300"/>
+                <a:cs typeface="Museo Sans 300"/>
+              </a:rPr>
+              <a:t>Planning</a:t>
+            </a:r>
+            <a:endParaRPr lang="en-US" dirty="0">
+              <a:latin typeface="Museo Sans 300"/>
+              <a:cs typeface="Museo Sans 300"/>
+            </a:endParaRPr>
+          </a:p>
+        </p:txBody>
+      </p:sp>
+      <p:sp>
+        <p:nvSpPr>
+          <p:cNvPr id="3" name="TextBox 2"/>
+          <p:cNvSpPr txBox="1"/>
+          <p:nvPr/>
+        </p:nvSpPr>
+        <p:spPr>
+          <a:xfrm>
+            <a:off x="822960" y="1210234"/>
+            <a:ext cx="7006216" cy="3416320"/>
+          </a:xfrm>
+          <a:prstGeom prst="rect">
+            <a:avLst/>
+          </a:prstGeom>
+          <a:noFill/>
+        </p:spPr>
+        <p:txBody>
+          <a:bodyPr wrap="square" rtlCol="0">
+            <a:spAutoFit/>
+          </a:bodyPr>
+          <a:lstStyle/>
+          <a:p>
+            <a:pPr marL="285750" indent="-285750">
+              <a:buFont typeface="Arial"/>
+              <a:buChar char="•"/>
+            </a:pPr>
+            <a:r>
+              <a:rPr lang="en-US" dirty="0"/>
+              <a:t>As a user I want to be able to adjust the volume of sound effects and music </a:t>
+            </a:r>
+            <a:r>
+              <a:rPr lang="en-US" dirty="0" smtClean="0"/>
+              <a:t>independently</a:t>
+            </a:r>
+          </a:p>
+          <a:p>
+            <a:pPr marL="285750" indent="-285750">
+              <a:buFont typeface="Arial"/>
+              <a:buChar char="•"/>
+            </a:pPr>
+            <a:r>
+              <a:rPr lang="en-US" dirty="0" smtClean="0"/>
+              <a:t>As a user I want to be able to play multiple levels with different backgrounds</a:t>
+            </a:r>
+          </a:p>
+          <a:p>
+            <a:pPr marL="285750" indent="-285750">
+              <a:buFont typeface="Arial"/>
+              <a:buChar char="•"/>
+            </a:pPr>
+            <a:r>
+              <a:rPr lang="en-US" dirty="0" smtClean="0"/>
+              <a:t>As a user I want to receive a ‘nuke’ after reaching a certain number of points</a:t>
+            </a:r>
+          </a:p>
+          <a:p>
+            <a:pPr marL="285750" indent="-285750">
+              <a:buFont typeface="Arial"/>
+              <a:buChar char="•"/>
+            </a:pPr>
+            <a:r>
+              <a:rPr lang="en-US" dirty="0" smtClean="0"/>
+              <a:t>As a user I want my ‘nuke’ to destroy all asteroids on the screen</a:t>
+            </a:r>
+          </a:p>
+          <a:p>
+            <a:pPr marL="285750" indent="-285750">
+              <a:buFont typeface="Arial"/>
+              <a:buChar char="•"/>
+            </a:pPr>
+            <a:endParaRPr lang="en-US" dirty="0" smtClean="0"/>
+          </a:p>
+          <a:p>
+            <a:pPr marL="285750" indent="-285750">
+              <a:buFont typeface="Arial"/>
+              <a:buChar char="•"/>
+            </a:pPr>
+            <a:endParaRPr lang="en-US" dirty="0" smtClean="0"/>
+          </a:p>
+          <a:p>
+            <a:endParaRPr lang="en-US" dirty="0"/>
+          </a:p>
+          <a:p>
+            <a:endParaRPr lang="en-US" dirty="0" smtClean="0"/>
+          </a:p>
+          <a:p>
+            <a:endParaRPr lang="en-US" dirty="0"/>
+          </a:p>
+        </p:txBody>
+      </p:sp>
+    </p:spTree>
+    <p:extLst>
+      <p:ext uri="{BB962C8B-B14F-4D97-AF65-F5344CB8AC3E}">
+        <p14:creationId xmlns:p14="http://schemas.microsoft.com/office/powerpoint/2010/main" val="2493348464"/>
+      </p:ext>
+    </p:extLst>
+  </p:cSld>
+  <p:clrMapOvr>
+    <a:masterClrMapping/>
+  </p:clrMapOvr>
+</p:sld>
+</file>
+
+<file path=ppt/slides/slide11.xml><?xml version="1.0" encoding="utf-8"?>
+<p:sld xmlns:a="http://schemas.openxmlformats.org/drawingml/2006/main" xmlns:r="http://schemas.openxmlformats.org/officeDocument/2006/relationships" xmlns:p="http://schemas.openxmlformats.org/presentationml/2006/main">
+  <p:cSld>
+    <p:spTree>
+      <p:nvGrpSpPr>
+        <p:cNvPr id="1" name=""/>
+        <p:cNvGrpSpPr/>
+        <p:nvPr/>
+      </p:nvGrpSpPr>
+      <p:grpSpPr>
+        <a:xfrm>
+          <a:off x="0" y="0"/>
+          <a:ext cx="0" cy="0"/>
+          <a:chOff x="0" y="0"/>
+          <a:chExt cx="0" cy="0"/>
+        </a:xfrm>
+      </p:grpSpPr>
+      <p:sp>
+        <p:nvSpPr>
+          <p:cNvPr id="2" name="Title 1"/>
+          <p:cNvSpPr>
+            <a:spLocks noGrp="1"/>
+          </p:cNvSpPr>
+          <p:nvPr>
+            <p:ph type="title"/>
+          </p:nvPr>
+        </p:nvSpPr>
+        <p:spPr/>
+        <p:txBody>
+          <a:bodyPr/>
+          <a:lstStyle/>
+          <a:p>
             <a:endParaRPr lang="en-US" dirty="0">
               <a:latin typeface="Museo Sans 300"/>
               <a:cs typeface="Museo Sans 300"/>
@@ -4969,7 +5133,7 @@
                 <a:latin typeface="Museo Sans 300"/>
                 <a:cs typeface="Museo Sans 300"/>
               </a:rPr>
-              <a:t>Questions? Adorations?</a:t>
+              <a:t>Questions? </a:t>
             </a:r>
             <a:endParaRPr lang="en-US" sz="4800" dirty="0">
               <a:latin typeface="Museo Sans 300"/>
@@ -5064,40 +5228,109 @@
             </a:endParaRPr>
           </a:p>
           <a:p>
-            <a:pPr marL="0" indent="0"/>
-            <a:r>
-              <a:rPr lang="en-US" sz="2800" dirty="0" smtClean="0">
-                <a:solidFill>
-                  <a:schemeClr val="accent2"/>
-                </a:solidFill>
-                <a:latin typeface="Museo Sans 300"/>
-                <a:cs typeface="Museo Sans 300"/>
-              </a:rPr>
-              <a:t>Planned Stories: 12</a:t>
-            </a:r>
-            <a:r>
-              <a:rPr lang="en-US" sz="2800" dirty="0" smtClean="0">
-                <a:latin typeface="Museo Sans 300"/>
-                <a:cs typeface="Museo Sans 300"/>
-              </a:rPr>
-              <a:t>	</a:t>
-            </a:r>
-            <a:r>
-              <a:rPr lang="en-US" sz="2800" dirty="0" smtClean="0">
-                <a:solidFill>
-                  <a:srgbClr val="008000"/>
-                </a:solidFill>
-                <a:latin typeface="Museo Sans 300"/>
-                <a:cs typeface="Museo Sans 300"/>
-              </a:rPr>
-              <a:t>Completed Stories: 9</a:t>
-            </a:r>
-          </a:p>
-          <a:p>
             <a:pPr marL="285750" indent="-285750">
               <a:buFont typeface="Arial"/>
               <a:buChar char="•"/>
             </a:pPr>
+            <a:r>
+              <a:rPr lang="en-US" sz="1100" dirty="0" smtClean="0">
+                <a:latin typeface="Museo Sans 300"/>
+                <a:cs typeface="Museo Sans 300"/>
+              </a:rPr>
+              <a:t>As a user, in order to lose the game, I need to lose when the planet’s health is depleted</a:t>
+            </a:r>
+          </a:p>
+          <a:p>
+            <a:pPr marL="285750" indent="-285750">
+              <a:buFont typeface="Arial"/>
+              <a:buChar char="•"/>
+            </a:pPr>
+            <a:r>
+              <a:rPr lang="en-US" sz="1100" dirty="0" smtClean="0">
+                <a:latin typeface="Museo Sans 300"/>
+                <a:cs typeface="Museo Sans 300"/>
+              </a:rPr>
+              <a:t>As a user, in order to close the game, I want the ESC button to exit the game with a confirmation first</a:t>
+            </a:r>
+          </a:p>
+          <a:p>
+            <a:pPr marL="285750" indent="-285750">
+              <a:buFont typeface="Arial"/>
+              <a:buChar char="•"/>
+            </a:pPr>
+            <a:r>
+              <a:rPr lang="en-US" sz="1100" dirty="0" smtClean="0">
+                <a:latin typeface="Museo Sans 300"/>
+                <a:cs typeface="Museo Sans 300"/>
+              </a:rPr>
+              <a:t>As a user, I want an in game menu to exit the game or change options.</a:t>
+            </a:r>
+          </a:p>
+          <a:p>
+            <a:pPr marL="285750" indent="-285750">
+              <a:buFont typeface="Arial"/>
+              <a:buChar char="•"/>
+            </a:pPr>
+            <a:r>
+              <a:rPr lang="en-US" sz="1100" dirty="0" smtClean="0">
+                <a:latin typeface="Museo Sans 300"/>
+                <a:cs typeface="Museo Sans 300"/>
+              </a:rPr>
+              <a:t>As a user, I want to view an options page from the main menu</a:t>
+            </a:r>
+          </a:p>
+          <a:p>
+            <a:pPr marL="285750" indent="-285750">
+              <a:buFont typeface="Arial"/>
+              <a:buChar char="•"/>
+            </a:pPr>
+            <a:r>
+              <a:rPr lang="en-US" sz="1100" dirty="0" smtClean="0">
+                <a:latin typeface="Museo Sans 300"/>
+                <a:cs typeface="Museo Sans 300"/>
+              </a:rPr>
+              <a:t>As a user, I want to view a credits page on the main menu</a:t>
+            </a:r>
+          </a:p>
+          <a:p>
+            <a:pPr marL="285750" indent="-285750">
+              <a:buFont typeface="Arial"/>
+              <a:buChar char="•"/>
+            </a:pPr>
+            <a:r>
+              <a:rPr lang="en-US" sz="1100" dirty="0" smtClean="0">
+                <a:latin typeface="Museo Sans 300"/>
+                <a:cs typeface="Museo Sans 300"/>
+              </a:rPr>
+              <a:t>As a user, in order to increase difficulty of the game, there should be a timed </a:t>
+            </a:r>
+            <a:r>
+              <a:rPr lang="en-US" sz="1100" dirty="0" err="1" smtClean="0">
+                <a:latin typeface="Museo Sans 300"/>
+                <a:cs typeface="Museo Sans 300"/>
+              </a:rPr>
+              <a:t>cooldown</a:t>
+            </a:r>
+            <a:r>
+              <a:rPr lang="en-US" sz="1100" dirty="0" smtClean="0">
+                <a:latin typeface="Museo Sans 300"/>
+                <a:cs typeface="Museo Sans 300"/>
+              </a:rPr>
+              <a:t> mechanism for shooting lasers</a:t>
+            </a:r>
+          </a:p>
+          <a:p>
+            <a:pPr marL="285750" indent="-285750">
+              <a:buFont typeface="Arial"/>
+              <a:buChar char="•"/>
+            </a:pPr>
+            <a:r>
+              <a:rPr lang="en-US" sz="1100" dirty="0" smtClean="0">
+                <a:latin typeface="Museo Sans 300"/>
+                <a:cs typeface="Museo Sans 300"/>
+              </a:rPr>
+              <a:t>As a user playing the game, I want a stream of jet particles to come out of the back of my ship for animation purposes</a:t>
+            </a:r>
             <a:endParaRPr lang="en-US" sz="1100" dirty="0" smtClean="0">
               <a:latin typeface="Museo Sans 300"/>
               <a:cs typeface="Museo Sans 300"/>
@@ -5175,7 +5408,14 @@
                 <a:latin typeface="Museo Sans 500"/>
                 <a:cs typeface="Museo Sans 500"/>
               </a:rPr>
-              <a:t>Unit testing – Game Window</a:t>
+              <a:t>Unit testing – </a:t>
+            </a:r>
+            <a:r>
+              <a:rPr lang="en-US" dirty="0" smtClean="0">
+                <a:latin typeface="Museo Sans 500"/>
+                <a:cs typeface="Museo Sans 500"/>
+              </a:rPr>
+              <a:t>Asteroid</a:t>
             </a:r>
             <a:endParaRPr lang="en-US" dirty="0">
               <a:latin typeface="Museo Sans 500"/>
@@ -5234,7 +5474,7 @@
         <p:spPr>
           <a:xfrm>
             <a:off x="1674597" y="1333103"/>
-            <a:ext cx="5486511" cy="3108544"/>
+            <a:ext cx="4975867" cy="2031325"/>
           </a:xfrm>
           <a:prstGeom prst="rect">
             <a:avLst/>
@@ -5261,184 +5501,171 @@
                   <a:schemeClr val="bg1"/>
                 </a:solidFill>
               </a:rPr>
-              <a:t>::</a:t>
+              <a:t>::Asteroid</a:t>
+            </a:r>
+          </a:p>
+          <a:p>
+            <a:r>
+              <a:rPr lang="en-US" sz="1400" dirty="0">
+                <a:solidFill>
+                  <a:schemeClr val="bg1"/>
+                </a:solidFill>
+              </a:rPr>
+              <a:t>  </a:t>
+            </a:r>
+            <a:r>
+              <a:rPr lang="en-US" sz="1400" dirty="0">
+                <a:solidFill>
+                  <a:srgbClr val="00FF00"/>
+                </a:solidFill>
+              </a:rPr>
+              <a:t>should respond to #draw</a:t>
+            </a:r>
+          </a:p>
+          <a:p>
+            <a:r>
+              <a:rPr lang="en-US" sz="1400" dirty="0">
+                <a:solidFill>
+                  <a:schemeClr val="bg1"/>
+                </a:solidFill>
+              </a:rPr>
+              <a:t>  when playing</a:t>
+            </a:r>
+          </a:p>
+          <a:p>
+            <a:r>
+              <a:rPr lang="en-US" sz="1400" dirty="0">
+                <a:solidFill>
+                  <a:srgbClr val="00FF00"/>
+                </a:solidFill>
+              </a:rPr>
+              <a:t>    should move right across the screen when @</a:t>
             </a:r>
             <a:r>
               <a:rPr lang="en-US" sz="1400" dirty="0" err="1">
                 <a:solidFill>
+                  <a:srgbClr val="00FF00"/>
+                </a:solidFill>
+              </a:rPr>
+              <a:t>vel_x</a:t>
+            </a:r>
+            <a:r>
+              <a:rPr lang="en-US" sz="1400" dirty="0">
+                <a:solidFill>
+                  <a:srgbClr val="00FF00"/>
+                </a:solidFill>
+              </a:rPr>
+              <a:t> positive </a:t>
+            </a:r>
+          </a:p>
+          <a:p>
+            <a:r>
+              <a:rPr lang="en-US" sz="1400" dirty="0">
+                <a:solidFill>
+                  <a:srgbClr val="00FF00"/>
+                </a:solidFill>
+              </a:rPr>
+              <a:t>    should move left across the screen when @</a:t>
+            </a:r>
+            <a:r>
+              <a:rPr lang="en-US" sz="1400" dirty="0" err="1">
+                <a:solidFill>
+                  <a:srgbClr val="00FF00"/>
+                </a:solidFill>
+              </a:rPr>
+              <a:t>vel_x</a:t>
+            </a:r>
+            <a:r>
+              <a:rPr lang="en-US" sz="1400" dirty="0">
+                <a:solidFill>
+                  <a:srgbClr val="00FF00"/>
+                </a:solidFill>
+              </a:rPr>
+              <a:t> negative</a:t>
+            </a:r>
+          </a:p>
+          <a:p>
+            <a:r>
+              <a:rPr lang="en-US" sz="1400" dirty="0">
+                <a:solidFill>
+                  <a:srgbClr val="00FF00"/>
+                </a:solidFill>
+              </a:rPr>
+              <a:t>    should move up the screen when @</a:t>
+            </a:r>
+            <a:r>
+              <a:rPr lang="en-US" sz="1400" dirty="0" err="1">
+                <a:solidFill>
+                  <a:srgbClr val="00FF00"/>
+                </a:solidFill>
+              </a:rPr>
+              <a:t>vel_y</a:t>
+            </a:r>
+            <a:r>
+              <a:rPr lang="en-US" sz="1400" dirty="0">
+                <a:solidFill>
+                  <a:srgbClr val="00FF00"/>
+                </a:solidFill>
+              </a:rPr>
+              <a:t> positive</a:t>
+            </a:r>
+          </a:p>
+          <a:p>
+            <a:r>
+              <a:rPr lang="en-US" sz="1400" dirty="0">
+                <a:solidFill>
+                  <a:srgbClr val="00FF00"/>
+                </a:solidFill>
+              </a:rPr>
+              <a:t>    should move down the screen when @</a:t>
+            </a:r>
+            <a:r>
+              <a:rPr lang="en-US" sz="1400" dirty="0" err="1">
+                <a:solidFill>
+                  <a:srgbClr val="00FF00"/>
+                </a:solidFill>
+              </a:rPr>
+              <a:t>vel_y</a:t>
+            </a:r>
+            <a:r>
+              <a:rPr lang="en-US" sz="1400" dirty="0">
+                <a:solidFill>
+                  <a:srgbClr val="00FF00"/>
+                </a:solidFill>
+              </a:rPr>
+              <a:t> negative</a:t>
+            </a:r>
+          </a:p>
+          <a:p>
+            <a:r>
+              <a:rPr lang="en-US" sz="1400" dirty="0">
+                <a:solidFill>
+                  <a:srgbClr val="00FF00"/>
+                </a:solidFill>
+              </a:rPr>
+              <a:t>    should collide with player</a:t>
+            </a:r>
+          </a:p>
+          <a:p>
+            <a:r>
+              <a:rPr lang="en-US" sz="1400" dirty="0">
+                <a:solidFill>
                   <a:schemeClr val="bg1"/>
                 </a:solidFill>
               </a:rPr>
-              <a:t>GameWindow</a:t>
-            </a:r>
-            <a:endParaRPr lang="en-US" sz="1400" dirty="0">
-              <a:solidFill>
-                <a:schemeClr val="bg1"/>
-              </a:solidFill>
-            </a:endParaRPr>
-          </a:p>
-          <a:p>
-            <a:r>
-              <a:rPr lang="en-US" sz="1400" dirty="0"/>
               <a:t> </a:t>
             </a:r>
             <a:r>
               <a:rPr lang="en-US" sz="1400" dirty="0">
                 <a:solidFill>
-                  <a:srgbClr val="00FF00"/>
-                </a:solidFill>
-              </a:rPr>
-              <a:t> should respond to #close</a:t>
-            </a:r>
-          </a:p>
-          <a:p>
-            <a:r>
-              <a:rPr lang="en-US" sz="1400" dirty="0">
-                <a:solidFill>
-                  <a:srgbClr val="00FF00"/>
-                </a:solidFill>
-              </a:rPr>
-              <a:t>  should respond to #fps</a:t>
-            </a:r>
-          </a:p>
-          <a:p>
-            <a:r>
-              <a:rPr lang="en-US" sz="1400" dirty="0">
-                <a:solidFill>
-                  <a:srgbClr val="00FF00"/>
-                </a:solidFill>
-              </a:rPr>
-              <a:t>  should respond to #update</a:t>
-            </a:r>
-          </a:p>
-          <a:p>
-            <a:r>
-              <a:rPr lang="en-US" sz="1400" dirty="0">
-                <a:solidFill>
-                  <a:srgbClr val="00FF00"/>
-                </a:solidFill>
-              </a:rPr>
-              <a:t>  should respond to #draw</a:t>
-            </a:r>
-          </a:p>
-          <a:p>
-            <a:r>
-              <a:rPr lang="en-US" sz="1400" dirty="0">
-                <a:solidFill>
-                  <a:srgbClr val="00FF00"/>
-                </a:solidFill>
-              </a:rPr>
-              <a:t>  should respond to #root</a:t>
-            </a:r>
-          </a:p>
-          <a:p>
-            <a:r>
-              <a:rPr lang="en-US" sz="1400" dirty="0">
-                <a:solidFill>
-                  <a:srgbClr val="00FF00"/>
-                </a:solidFill>
-              </a:rPr>
-              <a:t>  should respond to #</a:t>
-            </a:r>
-            <a:r>
-              <a:rPr lang="en-US" sz="1400" dirty="0" err="1">
-                <a:solidFill>
-                  <a:srgbClr val="00FF00"/>
-                </a:solidFill>
-              </a:rPr>
-              <a:t>game_state_manager</a:t>
-            </a:r>
-            <a:endParaRPr lang="en-US" sz="1400" dirty="0">
-              <a:solidFill>
-                <a:srgbClr val="00FF00"/>
-              </a:solidFill>
-            </a:endParaRPr>
-          </a:p>
-          <a:p>
-            <a:r>
-              <a:rPr lang="en-US" sz="1400" dirty="0">
-                <a:solidFill>
-                  <a:srgbClr val="00FF00"/>
-                </a:solidFill>
-              </a:rPr>
-              <a:t>  should respond to #factor</a:t>
-            </a:r>
-          </a:p>
-          <a:p>
-            <a:r>
-              <a:rPr lang="en-US" sz="1400" dirty="0">
-                <a:solidFill>
-                  <a:srgbClr val="00FF00"/>
-                </a:solidFill>
-              </a:rPr>
-              <a:t>  should respond to #cursor</a:t>
-            </a:r>
-          </a:p>
-          <a:p>
-            <a:r>
-              <a:rPr lang="en-US" sz="1400" dirty="0">
-                <a:solidFill>
-                  <a:srgbClr val="00FF00"/>
-                </a:solidFill>
-              </a:rPr>
-              <a:t>  should respond to #root</a:t>
-            </a:r>
-          </a:p>
-          <a:p>
-            <a:r>
-              <a:rPr lang="en-US" sz="1400" dirty="0">
-                <a:solidFill>
-                  <a:srgbClr val="00FF00"/>
-                </a:solidFill>
-              </a:rPr>
-              <a:t>  should respond to #</a:t>
-            </a:r>
-            <a:r>
-              <a:rPr lang="en-US" sz="1400" dirty="0" err="1">
-                <a:solidFill>
-                  <a:srgbClr val="00FF00"/>
-                </a:solidFill>
-              </a:rPr>
-              <a:t>milliseconds_since_last_tick</a:t>
-            </a:r>
-            <a:endParaRPr lang="en-US" sz="1400" dirty="0">
-              <a:solidFill>
-                <a:srgbClr val="00FF00"/>
-              </a:solidFill>
-            </a:endParaRPr>
-          </a:p>
-          <a:p>
-            <a:r>
-              <a:rPr lang="en-US" sz="1400" dirty="0">
-                <a:solidFill>
-                  <a:srgbClr val="00FF00"/>
-                </a:solidFill>
-              </a:rPr>
-              <a:t>  Window should be initialized</a:t>
-            </a:r>
-          </a:p>
-          <a:p>
-            <a:r>
-              <a:rPr lang="en-US" sz="1400" dirty="0">
-                <a:solidFill>
-                  <a:srgbClr val="00FF00"/>
-                </a:solidFill>
-              </a:rPr>
-              <a:t>  Window should have correct dimensions</a:t>
-            </a:r>
-          </a:p>
-          <a:p>
-            <a:r>
-              <a:rPr lang="en-US" sz="1400" dirty="0">
-                <a:solidFill>
-                  <a:srgbClr val="00FF00"/>
-                </a:solidFill>
-              </a:rPr>
-              <a:t>  Window should automatically have current version number in caption</a:t>
+                  <a:srgbClr val="AC202C"/>
+                </a:solidFill>
+              </a:rPr>
+              <a:t>   should create an explosion on collision with laser (FAILED - 1)</a:t>
             </a:r>
             <a:endParaRPr lang="en-US" sz="1400" dirty="0" smtClean="0">
               <a:solidFill>
-                <a:srgbClr val="00FF00"/>
+                <a:srgbClr val="AC202C"/>
               </a:solidFill>
             </a:endParaRPr>
           </a:p>
@@ -5494,7 +5721,14 @@
                 <a:latin typeface="Museo Sans 500"/>
                 <a:cs typeface="Museo Sans 500"/>
               </a:rPr>
-              <a:t>Unit testing – Player Object</a:t>
+              <a:t>Unit testing – </a:t>
+            </a:r>
+            <a:r>
+              <a:rPr lang="en-US" dirty="0" smtClean="0">
+                <a:latin typeface="Museo Sans 500"/>
+                <a:cs typeface="Museo Sans 500"/>
+              </a:rPr>
+              <a:t>Game State</a:t>
             </a:r>
             <a:endParaRPr lang="en-US" dirty="0">
               <a:latin typeface="Museo Sans 500"/>
@@ -5552,8 +5786,8 @@
         </p:nvSpPr>
         <p:spPr>
           <a:xfrm>
-            <a:off x="2316526" y="952409"/>
-            <a:ext cx="4134728" cy="3970318"/>
+            <a:off x="1763702" y="1415585"/>
+            <a:ext cx="4266224" cy="2031325"/>
           </a:xfrm>
           <a:prstGeom prst="rect">
             <a:avLst/>
@@ -5566,6 +5800,30 @@
           </a:bodyPr>
           <a:lstStyle/>
           <a:p>
+            <a:r>
+              <a:rPr lang="en-US" sz="1400" dirty="0" err="1">
+                <a:solidFill>
+                  <a:schemeClr val="bg1"/>
+                </a:solidFill>
+              </a:rPr>
+              <a:t>Chingu</a:t>
+            </a:r>
+            <a:r>
+              <a:rPr lang="en-US" sz="1400" dirty="0">
+                <a:solidFill>
+                  <a:schemeClr val="bg1"/>
+                </a:solidFill>
+              </a:rPr>
+              <a:t>::</a:t>
+            </a:r>
+            <a:r>
+              <a:rPr lang="en-US" sz="1400" dirty="0" err="1">
+                <a:solidFill>
+                  <a:schemeClr val="bg1"/>
+                </a:solidFill>
+              </a:rPr>
+              <a:t>GameState</a:t>
+            </a:r>
             <a:endParaRPr lang="en-US" sz="1400" dirty="0">
               <a:solidFill>
                 <a:schemeClr val="bg1"/>
@@ -5574,184 +5832,123 @@
           </a:p>
           <a:p>
             <a:r>
-              <a:rPr lang="en-US" sz="1400" dirty="0" err="1" smtClean="0">
+              <a:rPr lang="en-US" sz="1400" dirty="0">
                 <a:solidFill>
                   <a:schemeClr val="bg1"/>
                 </a:solidFill>
               </a:rPr>
-              <a:t>PlanetDefense</a:t>
-            </a:r>
-            <a:r>
-              <a:rPr lang="en-US" sz="1400" dirty="0" smtClean="0">
+              <a:t>  </a:t>
+            </a:r>
+            <a:r>
+              <a:rPr lang="en-US" sz="1400" dirty="0">
+                <a:solidFill>
+                  <a:srgbClr val="00FF00"/>
+                </a:solidFill>
+              </a:rPr>
+              <a:t>should be able to enter </a:t>
+            </a:r>
+            <a:r>
+              <a:rPr lang="en-US" sz="1400" dirty="0" err="1">
+                <a:solidFill>
+                  <a:srgbClr val="00FF00"/>
+                </a:solidFill>
+              </a:rPr>
+              <a:t>CreditsState</a:t>
+            </a:r>
+            <a:r>
+              <a:rPr lang="en-US" sz="1400" dirty="0">
+                <a:solidFill>
+                  <a:srgbClr val="00FF00"/>
+                </a:solidFill>
+              </a:rPr>
+              <a:t> from </a:t>
+            </a:r>
+            <a:r>
+              <a:rPr lang="en-US" sz="1400" dirty="0" err="1">
+                <a:solidFill>
+                  <a:srgbClr val="00FF00"/>
+                </a:solidFill>
+              </a:rPr>
+              <a:t>MenuState</a:t>
+            </a:r>
+            <a:endParaRPr lang="en-US" sz="1400" dirty="0">
+              <a:solidFill>
+                <a:srgbClr val="00FF00"/>
+              </a:solidFill>
+            </a:endParaRPr>
+          </a:p>
+          <a:p>
+            <a:r>
+              <a:rPr lang="en-US" sz="1400" dirty="0">
                 <a:solidFill>
                   <a:schemeClr val="bg1"/>
                 </a:solidFill>
               </a:rPr>
-              <a:t>::Player</a:t>
-            </a:r>
-          </a:p>
-          <a:p>
-            <a:r>
-              <a:rPr lang="en-US" sz="1400" dirty="0" smtClean="0">
-                <a:solidFill>
-                  <a:srgbClr val="00FF00"/>
-                </a:solidFill>
-              </a:rPr>
-              <a:t>  should respond to #draw</a:t>
-            </a:r>
-          </a:p>
-          <a:p>
-            <a:r>
-              <a:rPr lang="en-US" sz="1400" dirty="0" smtClean="0">
-                <a:solidFill>
-                  <a:srgbClr val="00FF00"/>
-                </a:solidFill>
-              </a:rPr>
-              <a:t>  should collide with asteroids</a:t>
-            </a:r>
-          </a:p>
-          <a:p>
-            <a:r>
-              <a:rPr lang="en-US" sz="1400" dirty="0" smtClean="0">
-                <a:solidFill>
-                  <a:srgbClr val="FF0000"/>
-                </a:solidFill>
-              </a:rPr>
-              <a:t>  should shoot lasers (FAILED - 1)</a:t>
-            </a:r>
-          </a:p>
-          <a:p>
-            <a:r>
-              <a:rPr lang="en-US" sz="1400" dirty="0" smtClean="0">
+              <a:t>  when initialized</a:t>
+            </a:r>
+          </a:p>
+          <a:p>
+            <a:r>
+              <a:rPr lang="en-US" sz="1400" dirty="0">
+                <a:solidFill>
+                  <a:srgbClr val="00FF00"/>
+                </a:solidFill>
+              </a:rPr>
+              <a:t>    should have title at proper place</a:t>
+            </a:r>
+          </a:p>
+          <a:p>
+            <a:r>
+              <a:rPr lang="en-US" sz="1400" dirty="0">
+                <a:solidFill>
+                  <a:srgbClr val="00FF00"/>
+                </a:solidFill>
+              </a:rPr>
+              <a:t>    should appear below title</a:t>
+            </a:r>
+          </a:p>
+          <a:p>
+            <a:r>
+              <a:rPr lang="en-US" sz="1400" dirty="0">
                 <a:solidFill>
                   <a:schemeClr val="bg1"/>
                 </a:solidFill>
               </a:rPr>
-              <a:t>  when initialized</a:t>
-            </a:r>
-          </a:p>
-          <a:p>
-            <a:r>
-              <a:rPr lang="en-US" sz="1400" dirty="0" smtClean="0">
-                <a:solidFill>
-                  <a:srgbClr val="00FF00"/>
-                </a:solidFill>
-              </a:rPr>
-              <a:t>    should be at bottom middle of screen</a:t>
-            </a:r>
-          </a:p>
-          <a:p>
-            <a:r>
-              <a:rPr lang="en-US" sz="1400" dirty="0" smtClean="0">
+              <a:t>  after scrolling</a:t>
+            </a:r>
+          </a:p>
+          <a:p>
+            <a:r>
+              <a:rPr lang="en-US" sz="1400" dirty="0">
+                <a:solidFill>
+                  <a:srgbClr val="00FF00"/>
+                </a:solidFill>
+              </a:rPr>
+              <a:t>    should have scrolled down</a:t>
+            </a:r>
+          </a:p>
+          <a:p>
+            <a:r>
+              <a:rPr lang="en-US" sz="1400" dirty="0">
                 <a:solidFill>
                   <a:schemeClr val="bg1"/>
                 </a:solidFill>
               </a:rPr>
-              <a:t>  when playing</a:t>
-            </a:r>
-          </a:p>
-          <a:p>
-            <a:r>
-              <a:rPr lang="en-US" sz="1400" dirty="0" smtClean="0">
-                <a:solidFill>
-                  <a:schemeClr val="bg1"/>
-                </a:solidFill>
-              </a:rPr>
-              <a:t>  </a:t>
-            </a:r>
-            <a:r>
-              <a:rPr lang="en-US" sz="1400" dirty="0" smtClean="0">
-                <a:solidFill>
-                  <a:srgbClr val="00FF00"/>
-                </a:solidFill>
-              </a:rPr>
-              <a:t>  should move left across the screen on command</a:t>
-            </a:r>
-          </a:p>
-          <a:p>
-            <a:r>
-              <a:rPr lang="en-US" sz="1400" dirty="0" smtClean="0">
-                <a:solidFill>
-                  <a:srgbClr val="00FF00"/>
-                </a:solidFill>
-              </a:rPr>
-              <a:t>    should move right across the screen on command</a:t>
-            </a:r>
-          </a:p>
-          <a:p>
-            <a:r>
-              <a:rPr lang="en-US" sz="1400" dirty="0" smtClean="0">
-                <a:solidFill>
-                  <a:srgbClr val="00FF00"/>
-                </a:solidFill>
-              </a:rPr>
-              <a:t>    should move up the screen on command</a:t>
-            </a:r>
-          </a:p>
-          <a:p>
-            <a:r>
-              <a:rPr lang="en-US" sz="1400" dirty="0" smtClean="0">
-                <a:solidFill>
-                  <a:srgbClr val="00FF00"/>
-                </a:solidFill>
-              </a:rPr>
-              <a:t>    should move down the screen on command</a:t>
-            </a:r>
-          </a:p>
-          <a:p>
-            <a:r>
-              <a:rPr lang="en-US" sz="1400" dirty="0" smtClean="0">
-                <a:solidFill>
-                  <a:srgbClr val="00FF00"/>
-                </a:solidFill>
-              </a:rPr>
-              <a:t>    should not exceed the left boundary</a:t>
-            </a:r>
-          </a:p>
-          <a:p>
-            <a:r>
-              <a:rPr lang="en-US" sz="1400" dirty="0" smtClean="0">
-                <a:solidFill>
-                  <a:srgbClr val="00FF00"/>
-                </a:solidFill>
-              </a:rPr>
-              <a:t>    should not exceed the right boundary</a:t>
-            </a:r>
-          </a:p>
-          <a:p>
-            <a:r>
-              <a:rPr lang="en-US" sz="1400" dirty="0" smtClean="0">
-                <a:solidFill>
-                  <a:srgbClr val="00FF00"/>
-                </a:solidFill>
-              </a:rPr>
-              <a:t>    should not exceed the top boundary</a:t>
-            </a:r>
-          </a:p>
-          <a:p>
-            <a:r>
-              <a:rPr lang="en-US" sz="1400" dirty="0" smtClean="0">
-                <a:solidFill>
-                  <a:srgbClr val="00FF00"/>
-                </a:solidFill>
-              </a:rPr>
-              <a:t>    should not exceed the bottom boundary</a:t>
-            </a:r>
-          </a:p>
-          <a:p>
-            <a:r>
-              <a:rPr lang="en-US" sz="1400" dirty="0" smtClean="0">
-                <a:solidFill>
-                  <a:srgbClr val="00FF00"/>
-                </a:solidFill>
-              </a:rPr>
-              <a:t>    should not exceed player max velocities</a:t>
-            </a:r>
-          </a:p>
-          <a:p>
+              <a:t>  reset to top</a:t>
+            </a:r>
+          </a:p>
+          <a:p>
+            <a:r>
+              <a:rPr lang="en-US" sz="1400" dirty="0">
+                <a:solidFill>
+                  <a:srgbClr val="00FF00"/>
+                </a:solidFill>
+              </a:rPr>
+              <a:t>    should reset names to below title</a:t>
+            </a:r>
             <a:endParaRPr lang="en-US" sz="1400" dirty="0" smtClean="0">
               <a:solidFill>
-                <a:schemeClr val="bg1"/>
+                <a:srgbClr val="00FF00"/>
               </a:solidFill>
             </a:endParaRPr>
           </a:p>
@@ -5760,7 +5957,7 @@
     </p:spTree>
     <p:extLst>
       <p:ext uri="{BB962C8B-B14F-4D97-AF65-F5344CB8AC3E}">
-        <p14:creationId xmlns:p14="http://schemas.microsoft.com/office/powerpoint/2010/main" val="1050835206"/>
+        <p14:creationId xmlns:p14="http://schemas.microsoft.com/office/powerpoint/2010/main" val="3439767556"/>
       </p:ext>
     </p:extLst>
   </p:cSld>
@@ -5789,14 +5986,50 @@
       </p:grpSpPr>
       <p:sp>
         <p:nvSpPr>
+          <p:cNvPr id="2" name="Title 1"/>
+          <p:cNvSpPr>
+            <a:spLocks noGrp="1"/>
+          </p:cNvSpPr>
+          <p:nvPr>
+            <p:ph type="title"/>
+          </p:nvPr>
+        </p:nvSpPr>
+        <p:spPr/>
+        <p:txBody>
+          <a:bodyPr/>
+          <a:lstStyle/>
+          <a:p>
+            <a:r>
+              <a:rPr lang="en-US" dirty="0" smtClean="0">
+                <a:latin typeface="Museo Sans 500"/>
+                <a:cs typeface="Museo Sans 500"/>
+              </a:rPr>
+              <a:t>Unit testing </a:t>
+            </a:r>
+            <a:r>
+              <a:rPr lang="en-US" dirty="0" smtClean="0">
+                <a:latin typeface="Museo Sans 500"/>
+                <a:cs typeface="Museo Sans 500"/>
+              </a:rPr>
+              <a:t>– Game Window</a:t>
+            </a:r>
+            <a:endParaRPr lang="en-US" dirty="0">
+              <a:latin typeface="Museo Sans 500"/>
+              <a:cs typeface="Museo Sans 500"/>
+            </a:endParaRPr>
+          </a:p>
+        </p:txBody>
+      </p:sp>
+      <p:sp>
+        <p:nvSpPr>
           <p:cNvPr id="5" name="Rectangle 4"/>
           <p:cNvSpPr/>
           <p:nvPr/>
         </p:nvSpPr>
         <p:spPr>
           <a:xfrm>
-            <a:off x="1060579" y="1158411"/>
-            <a:ext cx="6487110" cy="3558972"/>
+            <a:off x="1339678" y="1158411"/>
+            <a:ext cx="6056461" cy="3600842"/>
           </a:xfrm>
           <a:prstGeom prst="rect">
             <a:avLst/>
@@ -5823,44 +6056,104 @@
           <a:bodyPr rtlCol="0" anchor="ctr"/>
           <a:lstStyle/>
           <a:p>
-            <a:pPr algn="ctr"/>
-            <a:endParaRPr lang="en-US"/>
-          </a:p>
-        </p:txBody>
-      </p:sp>
-      <p:sp>
-        <p:nvSpPr>
-          <p:cNvPr id="4" name="TextBox 3"/>
-          <p:cNvSpPr txBox="1"/>
-          <p:nvPr/>
-        </p:nvSpPr>
-        <p:spPr>
-          <a:xfrm>
-            <a:off x="1060579" y="1245035"/>
-            <a:ext cx="6487110" cy="3108544"/>
-          </a:xfrm>
-          <a:prstGeom prst="rect">
-            <a:avLst/>
-          </a:prstGeom>
-          <a:noFill/>
-        </p:spPr>
-        <p:txBody>
-          <a:bodyPr wrap="none" rtlCol="0">
-            <a:spAutoFit/>
-          </a:bodyPr>
-          <a:lstStyle/>
-          <a:p>
-            <a:r>
-              <a:rPr lang="en-US" sz="1400" dirty="0" smtClean="0">
-                <a:solidFill>
-                  <a:srgbClr val="FF0000"/>
-                </a:solidFill>
-              </a:rPr>
-              <a:t>Failures:</a:t>
-            </a:r>
-          </a:p>
-          <a:p>
-            <a:endParaRPr lang="en-US" sz="1400" dirty="0" smtClean="0">
+            <a:r>
+              <a:rPr lang="en-US" sz="1200" dirty="0" err="1">
+                <a:solidFill>
+                  <a:schemeClr val="bg1"/>
+                </a:solidFill>
+              </a:rPr>
+              <a:t>PlanetDefense</a:t>
+            </a:r>
+            <a:r>
+              <a:rPr lang="en-US" sz="1200" dirty="0">
+                <a:solidFill>
+                  <a:schemeClr val="bg1"/>
+                </a:solidFill>
+              </a:rPr>
+              <a:t>::</a:t>
+            </a:r>
+            <a:r>
+              <a:rPr lang="en-US" sz="1200" dirty="0" err="1">
+                <a:solidFill>
+                  <a:schemeClr val="bg1"/>
+                </a:solidFill>
+              </a:rPr>
+              <a:t>GameWindow</a:t>
+            </a:r>
+            <a:endParaRPr lang="en-US" sz="1200" dirty="0">
+              <a:solidFill>
+                <a:schemeClr val="bg1"/>
+              </a:solidFill>
+            </a:endParaRPr>
+          </a:p>
+          <a:p>
+            <a:r>
+              <a:rPr lang="en-US" sz="1200" dirty="0">
+                <a:solidFill>
+                  <a:srgbClr val="00FF00"/>
+                </a:solidFill>
+              </a:rPr>
+              <a:t>  should respond to #close</a:t>
+            </a:r>
+          </a:p>
+          <a:p>
+            <a:r>
+              <a:rPr lang="en-US" sz="1200" dirty="0">
+                <a:solidFill>
+                  <a:srgbClr val="00FF00"/>
+                </a:solidFill>
+              </a:rPr>
+              <a:t>  should respond to #fps</a:t>
+            </a:r>
+          </a:p>
+          <a:p>
+            <a:r>
+              <a:rPr lang="en-US" sz="1200" dirty="0">
+                <a:solidFill>
+                  <a:srgbClr val="00FF00"/>
+                </a:solidFill>
+              </a:rPr>
+              <a:t>  should respond to #update</a:t>
+            </a:r>
+          </a:p>
+          <a:p>
+            <a:r>
+              <a:rPr lang="en-US" sz="1200" dirty="0">
+                <a:solidFill>
+                  <a:srgbClr val="00FF00"/>
+                </a:solidFill>
+              </a:rPr>
+              <a:t>  should respond to #draw</a:t>
+            </a:r>
+          </a:p>
+          <a:p>
+            <a:r>
+              <a:rPr lang="en-US" sz="1200" dirty="0">
+                <a:solidFill>
+                  <a:srgbClr val="00FF00"/>
+                </a:solidFill>
+              </a:rPr>
+              <a:t>  should respond to #root</a:t>
+            </a:r>
+          </a:p>
+          <a:p>
+            <a:r>
+              <a:rPr lang="en-US" sz="1200" dirty="0">
+                <a:solidFill>
+                  <a:srgbClr val="00FF00"/>
+                </a:solidFill>
+              </a:rPr>
+              <a:t>  should respond to #</a:t>
+            </a:r>
+            <a:r>
+              <a:rPr lang="en-US" sz="1200" dirty="0" err="1">
+                <a:solidFill>
+                  <a:srgbClr val="00FF00"/>
+                </a:solidFill>
+              </a:rPr>
+              <a:t>game_state_manager</a:t>
+            </a:r>
+            <a:endParaRPr lang="en-US" sz="1200" dirty="0">
               <a:solidFill>
                 <a:srgbClr val="00FF00"/>
               </a:solidFill>
@@ -5868,112 +6161,52 @@
           </a:p>
           <a:p>
             <a:r>
-              <a:rPr lang="en-US" sz="1400" dirty="0" smtClean="0">
-                <a:solidFill>
-                  <a:srgbClr val="00FF00"/>
-                </a:solidFill>
-              </a:rPr>
-              <a:t>  </a:t>
-            </a:r>
-            <a:r>
-              <a:rPr lang="en-US" sz="1400" dirty="0" smtClean="0">
-                <a:solidFill>
-                  <a:srgbClr val="FF0000"/>
-                </a:solidFill>
-              </a:rPr>
-              <a:t>1) </a:t>
-            </a:r>
-            <a:r>
-              <a:rPr lang="en-US" sz="1400" dirty="0" err="1" smtClean="0">
-                <a:solidFill>
-                  <a:srgbClr val="FF0000"/>
-                </a:solidFill>
-              </a:rPr>
-              <a:t>PlanetDefense</a:t>
-            </a:r>
-            <a:r>
-              <a:rPr lang="en-US" sz="1400" dirty="0" smtClean="0">
-                <a:solidFill>
-                  <a:srgbClr val="FF0000"/>
-                </a:solidFill>
-              </a:rPr>
-              <a:t>::Player should shoot lasers</a:t>
-            </a:r>
-          </a:p>
-          <a:p>
-            <a:r>
-              <a:rPr lang="en-US" sz="1400" dirty="0" smtClean="0">
-                <a:solidFill>
-                  <a:srgbClr val="FF0000"/>
-                </a:solidFill>
-              </a:rPr>
-              <a:t>     Failure/Error: </a:t>
-            </a:r>
-            <a:r>
-              <a:rPr lang="en-US" sz="1400" dirty="0" err="1" smtClean="0">
-                <a:solidFill>
-                  <a:srgbClr val="FF0000"/>
-                </a:solidFill>
-              </a:rPr>
-              <a:t>Laser.all.length.should</a:t>
-            </a:r>
-            <a:r>
-              <a:rPr lang="en-US" sz="1400" dirty="0" smtClean="0">
-                <a:solidFill>
-                  <a:srgbClr val="FF0000"/>
-                </a:solidFill>
-              </a:rPr>
-              <a:t> &gt; 0</a:t>
-            </a:r>
-          </a:p>
-          <a:p>
-            <a:r>
-              <a:rPr lang="en-US" sz="1400" dirty="0" smtClean="0">
-                <a:solidFill>
-                  <a:srgbClr val="FF0000"/>
-                </a:solidFill>
-              </a:rPr>
-              <a:t>       expected: &gt; 0</a:t>
-            </a:r>
-          </a:p>
-          <a:p>
-            <a:r>
-              <a:rPr lang="en-US" sz="1400" dirty="0" smtClean="0">
-                <a:solidFill>
-                  <a:srgbClr val="FF0000"/>
-                </a:solidFill>
-              </a:rPr>
-              <a:t>            got:   0</a:t>
-            </a:r>
-          </a:p>
-          <a:p>
-            <a:r>
-              <a:rPr lang="en-US" sz="1400" dirty="0" smtClean="0">
-                <a:solidFill>
-                  <a:srgbClr val="FF0000"/>
-                </a:solidFill>
-              </a:rPr>
-              <a:t>     # ./spec/lib/player_spec.rb:129:in `block (2 levels) in &lt;</a:t>
-            </a:r>
-            <a:r>
-              <a:rPr lang="en-US" sz="1400" dirty="0" err="1" smtClean="0">
-                <a:solidFill>
-                  <a:srgbClr val="FF0000"/>
-                </a:solidFill>
-              </a:rPr>
-              <a:t>module:PlanetDefense</a:t>
-            </a:r>
-            <a:r>
-              <a:rPr lang="en-US" sz="1400" dirty="0" smtClean="0">
-                <a:solidFill>
-                  <a:srgbClr val="FF0000"/>
-                </a:solidFill>
-              </a:rPr>
-              <a:t>&gt;'</a:t>
-            </a:r>
-          </a:p>
-          <a:p>
-            <a:endParaRPr lang="en-US" sz="1400" dirty="0">
+              <a:rPr lang="en-US" sz="1200" dirty="0">
+                <a:solidFill>
+                  <a:srgbClr val="00FF00"/>
+                </a:solidFill>
+              </a:rPr>
+              <a:t>  should respond to #factor</a:t>
+            </a:r>
+          </a:p>
+          <a:p>
+            <a:r>
+              <a:rPr lang="en-US" sz="1200" dirty="0">
+                <a:solidFill>
+                  <a:srgbClr val="00FF00"/>
+                </a:solidFill>
+              </a:rPr>
+              <a:t>  should respond to #cursor</a:t>
+            </a:r>
+          </a:p>
+          <a:p>
+            <a:r>
+              <a:rPr lang="en-US" sz="1200" dirty="0">
+                <a:solidFill>
+                  <a:srgbClr val="00FF00"/>
+                </a:solidFill>
+              </a:rPr>
+              <a:t>  should respond to #root</a:t>
+            </a:r>
+          </a:p>
+          <a:p>
+            <a:r>
+              <a:rPr lang="en-US" sz="1200" dirty="0">
+                <a:solidFill>
+                  <a:srgbClr val="00FF00"/>
+                </a:solidFill>
+              </a:rPr>
+              <a:t>  should respond to #</a:t>
+            </a:r>
+            <a:r>
+              <a:rPr lang="en-US" sz="1200" dirty="0" err="1">
+                <a:solidFill>
+                  <a:srgbClr val="00FF00"/>
+                </a:solidFill>
+              </a:rPr>
+              <a:t>milliseconds_since_last_tick</a:t>
+            </a:r>
+            <a:endParaRPr lang="en-US" sz="1200" dirty="0">
               <a:solidFill>
                 <a:srgbClr val="00FF00"/>
               </a:solidFill>
@@ -5981,125 +6214,71 @@
           </a:p>
           <a:p>
             <a:r>
-              <a:rPr lang="en-US" sz="1400" dirty="0">
-                <a:solidFill>
-                  <a:schemeClr val="bg1"/>
-                </a:solidFill>
-              </a:rPr>
-              <a:t>Finished in 0.30494 seconds</a:t>
-            </a:r>
-          </a:p>
-          <a:p>
-            <a:r>
-              <a:rPr lang="en-US" sz="1400" dirty="0">
-                <a:solidFill>
-                  <a:srgbClr val="00FF00"/>
-                </a:solidFill>
-              </a:rPr>
-              <a:t>26 examples, </a:t>
-            </a:r>
-            <a:r>
-              <a:rPr lang="en-US" sz="1400" dirty="0">
-                <a:solidFill>
-                  <a:srgbClr val="FF0000"/>
-                </a:solidFill>
-              </a:rPr>
-              <a:t>1 failure</a:t>
-            </a:r>
-          </a:p>
-          <a:p>
-            <a:endParaRPr lang="en-US" sz="1400" dirty="0">
+              <a:rPr lang="en-US" sz="1200" dirty="0">
+                <a:solidFill>
+                  <a:srgbClr val="00FF00"/>
+                </a:solidFill>
+              </a:rPr>
+              <a:t>  Window should be initialized</a:t>
+            </a:r>
+          </a:p>
+          <a:p>
+            <a:r>
+              <a:rPr lang="en-US" sz="1200" dirty="0">
+                <a:solidFill>
+                  <a:srgbClr val="00FF00"/>
+                </a:solidFill>
+              </a:rPr>
+              <a:t>  Window should have correct dimensions</a:t>
+            </a:r>
+          </a:p>
+          <a:p>
+            <a:r>
+              <a:rPr lang="en-US" sz="1200" dirty="0">
+                <a:solidFill>
+                  <a:srgbClr val="00FF00"/>
+                </a:solidFill>
+              </a:rPr>
+              <a:t>  Window should automatically have current version number in caption</a:t>
+            </a:r>
+          </a:p>
+          <a:p>
+            <a:endParaRPr lang="en-US" sz="1200" dirty="0">
               <a:solidFill>
-                <a:srgbClr val="00FF00"/>
+                <a:schemeClr val="bg1"/>
               </a:solidFill>
             </a:endParaRPr>
           </a:p>
           <a:p>
             <a:r>
-              <a:rPr lang="en-US" sz="1400" dirty="0">
+              <a:rPr lang="en-US" sz="1200" dirty="0">
                 <a:solidFill>
                   <a:schemeClr val="bg1"/>
                 </a:solidFill>
               </a:rPr>
-              <a:t>Failed examples:</a:t>
-            </a:r>
-          </a:p>
-          <a:p>
-            <a:endParaRPr lang="en-US" sz="1400" dirty="0">
-              <a:solidFill>
-                <a:srgbClr val="00FF00"/>
-              </a:solidFill>
-            </a:endParaRPr>
-          </a:p>
-          <a:p>
-            <a:r>
-              <a:rPr lang="en-US" sz="1400" dirty="0" err="1">
-                <a:solidFill>
-                  <a:srgbClr val="FF0000"/>
-                </a:solidFill>
-              </a:rPr>
-              <a:t>rspec</a:t>
-            </a:r>
-            <a:r>
-              <a:rPr lang="en-US" sz="1400" dirty="0">
-                <a:solidFill>
-                  <a:srgbClr val="FF0000"/>
-                </a:solidFill>
-              </a:rPr>
-              <a:t> ./spec/lib/player_spec.rb:127 # </a:t>
-            </a:r>
-            <a:r>
-              <a:rPr lang="en-US" sz="1400" dirty="0" err="1">
-                <a:solidFill>
-                  <a:srgbClr val="FF0000"/>
-                </a:solidFill>
-              </a:rPr>
-              <a:t>PlanetDefense</a:t>
-            </a:r>
-            <a:r>
-              <a:rPr lang="en-US" sz="1400" dirty="0">
-                <a:solidFill>
-                  <a:srgbClr val="FF0000"/>
-                </a:solidFill>
-              </a:rPr>
-              <a:t>::Player should shoot lasers</a:t>
-            </a:r>
-          </a:p>
-        </p:txBody>
-      </p:sp>
-      <p:sp>
-        <p:nvSpPr>
-          <p:cNvPr id="2" name="Title 1"/>
-          <p:cNvSpPr>
-            <a:spLocks noGrp="1"/>
-          </p:cNvSpPr>
-          <p:nvPr>
-            <p:ph type="title"/>
-          </p:nvPr>
-        </p:nvSpPr>
-        <p:spPr/>
-        <p:txBody>
-          <a:bodyPr/>
-          <a:lstStyle/>
-          <a:p>
-            <a:r>
-              <a:rPr lang="en-US" dirty="0" smtClean="0">
-                <a:latin typeface="Museo Sans 500"/>
-                <a:cs typeface="Museo Sans 500"/>
-              </a:rPr>
-              <a:t>Unit testing – Current FAILURES</a:t>
-            </a:r>
-            <a:endParaRPr lang="en-US" dirty="0">
-              <a:latin typeface="Museo Sans 500"/>
-              <a:cs typeface="Museo Sans 500"/>
-            </a:endParaRPr>
+              <a:t>Finished in 0.26689 seconds</a:t>
+            </a:r>
+          </a:p>
+          <a:p>
+            <a:r>
+              <a:rPr lang="en-US" sz="1200" dirty="0">
+                <a:solidFill>
+                  <a:srgbClr val="00FF00"/>
+                </a:solidFill>
+              </a:rPr>
+              <a:t>13 examples, 0 failures</a:t>
+            </a:r>
+          </a:p>
+          <a:p>
+            <a:pPr algn="ctr"/>
+            <a:endParaRPr lang="en-US" sz="1200" dirty="0"/>
           </a:p>
         </p:txBody>
       </p:sp>
     </p:spTree>
     <p:extLst>
       <p:ext uri="{BB962C8B-B14F-4D97-AF65-F5344CB8AC3E}">
-        <p14:creationId xmlns:p14="http://schemas.microsoft.com/office/powerpoint/2010/main" val="3522738734"/>
+        <p14:creationId xmlns:p14="http://schemas.microsoft.com/office/powerpoint/2010/main" val="3439767556"/>
       </p:ext>
     </p:extLst>
   </p:cSld>
@@ -6143,110 +6322,258 @@
           <a:p>
             <a:r>
               <a:rPr lang="en-US" dirty="0" smtClean="0">
-                <a:latin typeface="Museo Sans 300"/>
-                <a:cs typeface="Museo Sans 300"/>
-              </a:rPr>
-              <a:t>Unit testing – Coverage</a:t>
+                <a:latin typeface="Museo Sans 500"/>
+                <a:cs typeface="Museo Sans 500"/>
+              </a:rPr>
+              <a:t>Unit testing </a:t>
+            </a:r>
+            <a:r>
+              <a:rPr lang="en-US" dirty="0" smtClean="0">
+                <a:latin typeface="Museo Sans 500"/>
+                <a:cs typeface="Museo Sans 500"/>
+              </a:rPr>
+              <a:t>– Weapon</a:t>
             </a:r>
             <a:endParaRPr lang="en-US" dirty="0">
-              <a:latin typeface="Museo Sans 300"/>
-              <a:cs typeface="Museo Sans 300"/>
+              <a:latin typeface="Museo Sans 500"/>
+              <a:cs typeface="Museo Sans 500"/>
             </a:endParaRPr>
           </a:p>
         </p:txBody>
       </p:sp>
       <p:sp>
         <p:nvSpPr>
-          <p:cNvPr id="3" name="Rectangle 2"/>
+          <p:cNvPr id="5" name="Rectangle 4"/>
           <p:cNvSpPr/>
           <p:nvPr/>
         </p:nvSpPr>
         <p:spPr>
           <a:xfrm>
-            <a:off x="1307820" y="816703"/>
-            <a:ext cx="6338553" cy="584776"/>
+            <a:off x="1339678" y="1158411"/>
+            <a:ext cx="6056461" cy="3600842"/>
           </a:xfrm>
           <a:prstGeom prst="rect">
             <a:avLst/>
           </a:prstGeom>
+          <a:solidFill>
+            <a:schemeClr val="tx1"/>
+          </a:solidFill>
         </p:spPr>
-        <p:txBody>
-          <a:bodyPr wrap="none">
-            <a:spAutoFit/>
-          </a:bodyPr>
+        <p:style>
+          <a:lnRef idx="1">
+            <a:schemeClr val="accent1"/>
+          </a:lnRef>
+          <a:fillRef idx="3">
+            <a:schemeClr val="accent1"/>
+          </a:fillRef>
+          <a:effectRef idx="2">
+            <a:schemeClr val="accent1"/>
+          </a:effectRef>
+          <a:fontRef idx="minor">
+            <a:schemeClr val="lt1"/>
+          </a:fontRef>
+        </p:style>
+        <p:txBody>
+          <a:bodyPr rtlCol="0" anchor="ctr"/>
           <a:lstStyle/>
           <a:p>
             <a:r>
-              <a:rPr lang="en-US" sz="3200" dirty="0">
-                <a:solidFill>
-                  <a:srgbClr val="AC202C"/>
-                </a:solidFill>
-                <a:latin typeface="Museo Sans 300"/>
-                <a:cs typeface="Museo Sans 300"/>
-              </a:rPr>
-              <a:t>64.81</a:t>
-            </a:r>
-            <a:r>
-              <a:rPr lang="en-US" sz="3200" dirty="0">
-                <a:latin typeface="Museo Sans 300"/>
-                <a:cs typeface="Museo Sans 300"/>
-              </a:rPr>
-              <a:t>% covered at </a:t>
-            </a:r>
-            <a:r>
-              <a:rPr lang="en-US" sz="3200" dirty="0">
-                <a:solidFill>
-                  <a:srgbClr val="008000"/>
-                </a:solidFill>
-                <a:latin typeface="Museo Sans 300"/>
-                <a:cs typeface="Museo Sans 300"/>
-              </a:rPr>
-              <a:t>33.22</a:t>
-            </a:r>
-            <a:r>
-              <a:rPr lang="en-US" sz="3200" dirty="0">
-                <a:latin typeface="Museo Sans 300"/>
-                <a:cs typeface="Museo Sans 300"/>
-              </a:rPr>
-              <a:t> hits/line</a:t>
-            </a:r>
-          </a:p>
-        </p:txBody>
-      </p:sp>
-      <p:pic>
-        <p:nvPicPr>
-          <p:cNvPr id="7" name="Picture 6" descr="coverage.jpg"/>
-          <p:cNvPicPr>
-            <a:picLocks noChangeAspect="1"/>
-          </p:cNvPicPr>
-          <p:nvPr/>
-        </p:nvPicPr>
-        <p:blipFill>
-          <a:blip r:embed="rId2">
-            <a:extLst>
-              <a:ext uri="{28A0092B-C50C-407E-A947-70E740481C1C}">
-                <a14:useLocalDpi xmlns:a14="http://schemas.microsoft.com/office/drawing/2010/main" val="0"/>
-              </a:ext>
-            </a:extLst>
-          </a:blip>
-          <a:stretch>
-            <a:fillRect/>
-          </a:stretch>
-        </p:blipFill>
-        <p:spPr>
-          <a:xfrm>
-            <a:off x="590368" y="1365412"/>
-            <a:ext cx="8039208" cy="3622953"/>
-          </a:xfrm>
-          <a:prstGeom prst="rect">
-            <a:avLst/>
-          </a:prstGeom>
-        </p:spPr>
-      </p:pic>
+              <a:rPr lang="en-US" sz="1200" dirty="0" err="1">
+                <a:solidFill>
+                  <a:schemeClr val="bg1"/>
+                </a:solidFill>
+              </a:rPr>
+              <a:t>PlanetDefense</a:t>
+            </a:r>
+            <a:r>
+              <a:rPr lang="en-US" sz="1200" dirty="0">
+                <a:solidFill>
+                  <a:schemeClr val="bg1"/>
+                </a:solidFill>
+              </a:rPr>
+              <a:t>::Weapon</a:t>
+            </a:r>
+          </a:p>
+          <a:p>
+            <a:r>
+              <a:rPr lang="en-US" sz="1200" dirty="0">
+                <a:solidFill>
+                  <a:schemeClr val="bg1"/>
+                </a:solidFill>
+              </a:rPr>
+              <a:t>  when initialized</a:t>
+            </a:r>
+          </a:p>
+          <a:p>
+            <a:r>
+              <a:rPr lang="en-US" sz="1200" dirty="0">
+                <a:solidFill>
+                  <a:schemeClr val="bg1"/>
+                </a:solidFill>
+              </a:rPr>
+              <a:t>    </a:t>
+            </a:r>
+            <a:r>
+              <a:rPr lang="en-US" sz="1200" dirty="0">
+                <a:solidFill>
+                  <a:srgbClr val="00FF00"/>
+                </a:solidFill>
+              </a:rPr>
+              <a:t>should set initial values</a:t>
+            </a:r>
+          </a:p>
+          <a:p>
+            <a:r>
+              <a:rPr lang="en-US" sz="1200" dirty="0">
+                <a:solidFill>
+                  <a:schemeClr val="bg1"/>
+                </a:solidFill>
+              </a:rPr>
+              <a:t>  when calling weapon update</a:t>
+            </a:r>
+          </a:p>
+          <a:p>
+            <a:r>
+              <a:rPr lang="en-US" sz="1200" dirty="0">
+                <a:solidFill>
+                  <a:srgbClr val="00FF00"/>
+                </a:solidFill>
+              </a:rPr>
+              <a:t>    should </a:t>
+            </a:r>
+            <a:r>
+              <a:rPr lang="en-US" sz="1200" dirty="0" err="1">
+                <a:solidFill>
+                  <a:srgbClr val="00FF00"/>
+                </a:solidFill>
+              </a:rPr>
+              <a:t>cooldown</a:t>
+            </a:r>
+            <a:r>
+              <a:rPr lang="en-US" sz="1200" dirty="0">
+                <a:solidFill>
+                  <a:srgbClr val="00FF00"/>
+                </a:solidFill>
+              </a:rPr>
+              <a:t> according to </a:t>
+            </a:r>
+            <a:r>
+              <a:rPr lang="en-US" sz="1200" dirty="0" err="1">
+                <a:solidFill>
+                  <a:srgbClr val="00FF00"/>
+                </a:solidFill>
+              </a:rPr>
+              <a:t>cooldown_rate</a:t>
+            </a:r>
+            <a:endParaRPr lang="en-US" sz="1200" dirty="0">
+              <a:solidFill>
+                <a:srgbClr val="00FF00"/>
+              </a:solidFill>
+            </a:endParaRPr>
+          </a:p>
+          <a:p>
+            <a:r>
+              <a:rPr lang="en-US" sz="1200" dirty="0">
+                <a:solidFill>
+                  <a:srgbClr val="00FF00"/>
+                </a:solidFill>
+              </a:rPr>
+              <a:t>    should heat up according to </a:t>
+            </a:r>
+            <a:r>
+              <a:rPr lang="en-US" sz="1200" dirty="0" err="1">
+                <a:solidFill>
+                  <a:srgbClr val="00FF00"/>
+                </a:solidFill>
+              </a:rPr>
+              <a:t>heatup_amount</a:t>
+            </a:r>
+            <a:endParaRPr lang="en-US" sz="1200" dirty="0">
+              <a:solidFill>
+                <a:srgbClr val="00FF00"/>
+              </a:solidFill>
+            </a:endParaRPr>
+          </a:p>
+          <a:p>
+            <a:r>
+              <a:rPr lang="en-US" sz="1200" dirty="0">
+                <a:solidFill>
+                  <a:srgbClr val="00FF00"/>
+                </a:solidFill>
+              </a:rPr>
+              <a:t>    should overheat at 100 heat, and stay overheated for </a:t>
+            </a:r>
+            <a:r>
+              <a:rPr lang="en-US" sz="1200" dirty="0" err="1">
+                <a:solidFill>
+                  <a:srgbClr val="00FF00"/>
+                </a:solidFill>
+              </a:rPr>
+              <a:t>overheat_penalty</a:t>
+            </a:r>
+            <a:r>
+              <a:rPr lang="en-US" sz="1200" dirty="0">
+                <a:solidFill>
+                  <a:srgbClr val="00FF00"/>
+                </a:solidFill>
+              </a:rPr>
+              <a:t> time</a:t>
+            </a:r>
+          </a:p>
+          <a:p>
+            <a:r>
+              <a:rPr lang="en-US" sz="1200" dirty="0">
+                <a:solidFill>
+                  <a:srgbClr val="00FF00"/>
+                </a:solidFill>
+              </a:rPr>
+              <a:t>    should change the gauge color according to heat</a:t>
+            </a:r>
+          </a:p>
+          <a:p>
+            <a:r>
+              <a:rPr lang="en-US" sz="1200" dirty="0">
+                <a:solidFill>
+                  <a:srgbClr val="00FF00"/>
+                </a:solidFill>
+              </a:rPr>
+              <a:t>    should have a restricted firing rate</a:t>
+            </a:r>
+          </a:p>
+          <a:p>
+            <a:endParaRPr lang="en-US" sz="1200" dirty="0">
+              <a:solidFill>
+                <a:schemeClr val="bg1"/>
+              </a:solidFill>
+            </a:endParaRPr>
+          </a:p>
+          <a:p>
+            <a:r>
+              <a:rPr lang="en-US" sz="1200" dirty="0">
+                <a:solidFill>
+                  <a:schemeClr val="bg1"/>
+                </a:solidFill>
+              </a:rPr>
+              <a:t>Finished in 1.27 seconds</a:t>
+            </a:r>
+          </a:p>
+          <a:p>
+            <a:r>
+              <a:rPr lang="en-US" sz="1200" dirty="0">
+                <a:solidFill>
+                  <a:schemeClr val="bg1"/>
+                </a:solidFill>
+              </a:rPr>
+              <a:t>6 examples, 0 failures</a:t>
+            </a:r>
+            <a:endParaRPr lang="en-US" sz="1200" dirty="0"/>
+          </a:p>
+        </p:txBody>
+      </p:sp>
     </p:spTree>
     <p:extLst>
       <p:ext uri="{BB962C8B-B14F-4D97-AF65-F5344CB8AC3E}">
-        <p14:creationId xmlns:p14="http://schemas.microsoft.com/office/powerpoint/2010/main" val="3833279152"/>
+        <p14:creationId xmlns:p14="http://schemas.microsoft.com/office/powerpoint/2010/main" val="2860934286"/>
       </p:ext>
     </p:extLst>
   </p:cSld>
@@ -6290,66 +6617,429 @@
           <a:p>
             <a:r>
               <a:rPr lang="en-US" dirty="0" smtClean="0">
-                <a:latin typeface="Museo Sans 300"/>
-                <a:cs typeface="Museo Sans 300"/>
-              </a:rPr>
-              <a:t>Unit testing</a:t>
+                <a:latin typeface="Museo Sans 500"/>
+                <a:cs typeface="Museo Sans 500"/>
+              </a:rPr>
+              <a:t>Unit testing </a:t>
+            </a:r>
+            <a:r>
+              <a:rPr lang="en-US" dirty="0" smtClean="0">
+                <a:latin typeface="Museo Sans 500"/>
+                <a:cs typeface="Museo Sans 500"/>
+              </a:rPr>
+              <a:t>- </a:t>
+            </a:r>
+            <a:r>
+              <a:rPr lang="en-US" dirty="0" err="1" smtClean="0">
+                <a:latin typeface="Museo Sans 500"/>
+                <a:cs typeface="Museo Sans 500"/>
+              </a:rPr>
+              <a:t>PLayer</a:t>
             </a:r>
             <a:endParaRPr lang="en-US" dirty="0">
-              <a:latin typeface="Museo Sans 300"/>
-              <a:cs typeface="Museo Sans 300"/>
+              <a:latin typeface="Museo Sans 500"/>
+              <a:cs typeface="Museo Sans 500"/>
             </a:endParaRPr>
           </a:p>
         </p:txBody>
       </p:sp>
       <p:sp>
         <p:nvSpPr>
-          <p:cNvPr id="3" name="Rectangle 2"/>
+          <p:cNvPr id="5" name="Rectangle 4"/>
           <p:cNvSpPr/>
           <p:nvPr/>
         </p:nvSpPr>
         <p:spPr>
           <a:xfrm>
-            <a:off x="416870" y="1822003"/>
-            <a:ext cx="8069900" cy="1015663"/>
+            <a:off x="1339678" y="914400"/>
+            <a:ext cx="6056461" cy="3844853"/>
           </a:xfrm>
           <a:prstGeom prst="rect">
             <a:avLst/>
           </a:prstGeom>
+          <a:solidFill>
+            <a:schemeClr val="tx1"/>
+          </a:solidFill>
         </p:spPr>
-        <p:txBody>
-          <a:bodyPr wrap="none">
-            <a:spAutoFit/>
-          </a:bodyPr>
+        <p:style>
+          <a:lnRef idx="1">
+            <a:schemeClr val="accent1"/>
+          </a:lnRef>
+          <a:fillRef idx="3">
+            <a:schemeClr val="accent1"/>
+          </a:fillRef>
+          <a:effectRef idx="2">
+            <a:schemeClr val="accent1"/>
+          </a:effectRef>
+          <a:fontRef idx="minor">
+            <a:schemeClr val="lt1"/>
+          </a:fontRef>
+        </p:style>
+        <p:txBody>
+          <a:bodyPr rtlCol="0" anchor="ctr"/>
           <a:lstStyle/>
           <a:p>
-            <a:pPr algn="ctr"/>
-            <a:r>
-              <a:rPr lang="en-US" sz="6000" dirty="0" smtClean="0">
-                <a:solidFill>
-                  <a:srgbClr val="008000"/>
-                </a:solidFill>
-                <a:latin typeface="Museo Sans 300"/>
-                <a:cs typeface="Museo Sans 300"/>
-              </a:rPr>
-              <a:t>Show specs on </a:t>
-            </a:r>
-            <a:r>
-              <a:rPr lang="en-US" sz="6000" dirty="0" err="1" smtClean="0">
-                <a:solidFill>
-                  <a:srgbClr val="008000"/>
-                </a:solidFill>
-                <a:latin typeface="Museo Sans 300"/>
-                <a:cs typeface="Museo Sans 300"/>
-              </a:rPr>
-              <a:t>Github</a:t>
-            </a:r>
-            <a:endParaRPr lang="en-US" sz="6000" dirty="0">
+            <a:r>
+              <a:rPr lang="en-US" sz="1000" dirty="0" err="1">
+                <a:solidFill>
+                  <a:schemeClr val="bg1"/>
+                </a:solidFill>
+              </a:rPr>
+              <a:t>PlanetDefense</a:t>
+            </a:r>
+            <a:r>
+              <a:rPr lang="en-US" sz="1000" dirty="0">
+                <a:solidFill>
+                  <a:schemeClr val="bg1"/>
+                </a:solidFill>
+              </a:rPr>
+              <a:t>::Player</a:t>
+            </a:r>
+          </a:p>
+          <a:p>
+            <a:r>
+              <a:rPr lang="en-US" sz="1000" dirty="0">
+                <a:solidFill>
+                  <a:schemeClr val="bg1"/>
+                </a:solidFill>
+              </a:rPr>
+              <a:t>  </a:t>
+            </a:r>
+            <a:r>
+              <a:rPr lang="en-US" sz="1000" dirty="0">
+                <a:solidFill>
+                  <a:srgbClr val="00FF00"/>
+                </a:solidFill>
+              </a:rPr>
+              <a:t>should respond to #draw</a:t>
+            </a:r>
+          </a:p>
+          <a:p>
+            <a:r>
+              <a:rPr lang="en-US" sz="1000" dirty="0">
+                <a:solidFill>
+                  <a:schemeClr val="bg1"/>
+                </a:solidFill>
+              </a:rPr>
+              <a:t>  when initialized</a:t>
+            </a:r>
+          </a:p>
+          <a:p>
+            <a:r>
+              <a:rPr lang="en-US" sz="1000" dirty="0">
+                <a:solidFill>
+                  <a:srgbClr val="00FF00"/>
+                </a:solidFill>
+              </a:rPr>
+              <a:t>    should be at bottom middle of screen</a:t>
+            </a:r>
+          </a:p>
+          <a:p>
+            <a:r>
+              <a:rPr lang="en-US" sz="1000" dirty="0">
+                <a:solidFill>
+                  <a:schemeClr val="bg1"/>
+                </a:solidFill>
+              </a:rPr>
+              <a:t>  when playing</a:t>
+            </a:r>
+          </a:p>
+          <a:p>
+            <a:r>
+              <a:rPr lang="en-US" sz="1000" dirty="0">
+                <a:solidFill>
+                  <a:srgbClr val="00FF00"/>
+                </a:solidFill>
+              </a:rPr>
+              <a:t>    should move left across the screen on command</a:t>
+            </a:r>
+          </a:p>
+          <a:p>
+            <a:r>
+              <a:rPr lang="en-US" sz="1000" dirty="0">
+                <a:solidFill>
+                  <a:srgbClr val="00FF00"/>
+                </a:solidFill>
+              </a:rPr>
+              <a:t>    should move right across the screen on command</a:t>
+            </a:r>
+          </a:p>
+          <a:p>
+            <a:r>
+              <a:rPr lang="en-US" sz="1000" dirty="0">
+                <a:solidFill>
+                  <a:srgbClr val="00FF00"/>
+                </a:solidFill>
+              </a:rPr>
+              <a:t>    should move up the screen on command</a:t>
+            </a:r>
+          </a:p>
+          <a:p>
+            <a:r>
+              <a:rPr lang="en-US" sz="1000" dirty="0">
+                <a:solidFill>
+                  <a:srgbClr val="00FF00"/>
+                </a:solidFill>
+              </a:rPr>
+              <a:t>    should move down the screen on command</a:t>
+            </a:r>
+          </a:p>
+          <a:p>
+            <a:r>
+              <a:rPr lang="en-US" sz="1000" dirty="0">
+                <a:solidFill>
+                  <a:srgbClr val="00FF00"/>
+                </a:solidFill>
+              </a:rPr>
+              <a:t>    should move down the screen on command</a:t>
+            </a:r>
+          </a:p>
+          <a:p>
+            <a:r>
+              <a:rPr lang="en-US" sz="1000" dirty="0">
+                <a:solidFill>
+                  <a:srgbClr val="00FF00"/>
+                </a:solidFill>
+              </a:rPr>
+              <a:t>    should not exceed the left boundary</a:t>
+            </a:r>
+          </a:p>
+          <a:p>
+            <a:r>
+              <a:rPr lang="en-US" sz="1000" dirty="0">
+                <a:solidFill>
+                  <a:srgbClr val="00FF00"/>
+                </a:solidFill>
+              </a:rPr>
+              <a:t>    should not exceed the right boundary</a:t>
+            </a:r>
+          </a:p>
+          <a:p>
+            <a:r>
+              <a:rPr lang="en-US" sz="1000" dirty="0">
+                <a:solidFill>
+                  <a:srgbClr val="00FF00"/>
+                </a:solidFill>
+              </a:rPr>
+              <a:t>    should not exceed the top boundary</a:t>
+            </a:r>
+          </a:p>
+          <a:p>
+            <a:r>
+              <a:rPr lang="en-US" sz="1000" dirty="0">
+                <a:solidFill>
+                  <a:srgbClr val="00FF00"/>
+                </a:solidFill>
+              </a:rPr>
+              <a:t>    should not exceed the bottom boundary</a:t>
+            </a:r>
+          </a:p>
+          <a:p>
+            <a:r>
+              <a:rPr lang="en-US" sz="1000" dirty="0">
+                <a:solidFill>
+                  <a:srgbClr val="00FF00"/>
+                </a:solidFill>
+              </a:rPr>
+              <a:t>    should not exceed player max </a:t>
+            </a:r>
+            <a:r>
+              <a:rPr lang="en-US" sz="1000" dirty="0" smtClean="0">
+                <a:solidFill>
+                  <a:srgbClr val="00FF00"/>
+                </a:solidFill>
+              </a:rPr>
+              <a:t>velocities</a:t>
+            </a:r>
+            <a:endParaRPr lang="en-US" sz="1000" dirty="0">
               <a:solidFill>
-                <a:srgbClr val="008000"/>
+                <a:srgbClr val="00FF00"/>
               </a:solidFill>
-              <a:latin typeface="Museo Sans 300"/>
-              <a:cs typeface="Museo Sans 300"/>
+            </a:endParaRPr>
+          </a:p>
+          <a:p>
+            <a:r>
+              <a:rPr lang="en-US" sz="1000" dirty="0">
+                <a:solidFill>
+                  <a:srgbClr val="00FF00"/>
+                </a:solidFill>
+              </a:rPr>
+              <a:t>    should collide with asteroids</a:t>
+            </a:r>
+          </a:p>
+          <a:p>
+            <a:r>
+              <a:rPr lang="en-US" sz="1000" dirty="0">
+                <a:solidFill>
+                  <a:srgbClr val="00FF00"/>
+                </a:solidFill>
+              </a:rPr>
+              <a:t>    should be able to shoot </a:t>
+            </a:r>
+            <a:r>
+              <a:rPr lang="en-US" sz="1000" dirty="0" smtClean="0">
+                <a:solidFill>
+                  <a:srgbClr val="00FF00"/>
+                </a:solidFill>
+              </a:rPr>
+              <a:t>lasers</a:t>
+            </a:r>
+          </a:p>
+          <a:p>
+            <a:r>
+              <a:rPr lang="en-US" sz="1000" dirty="0" smtClean="0">
+                <a:solidFill>
+                  <a:srgbClr val="00FF00"/>
+                </a:solidFill>
+              </a:rPr>
+              <a:t>    should </a:t>
+            </a:r>
+            <a:r>
+              <a:rPr lang="en-US" sz="1000" dirty="0" err="1" smtClean="0">
+                <a:solidFill>
+                  <a:srgbClr val="00FF00"/>
+                </a:solidFill>
+              </a:rPr>
+              <a:t>cooldown</a:t>
+            </a:r>
+            <a:r>
+              <a:rPr lang="en-US" sz="1000" dirty="0" smtClean="0">
+                <a:solidFill>
+                  <a:srgbClr val="00FF00"/>
+                </a:solidFill>
+              </a:rPr>
+              <a:t> lasers over time down to 0 minimum</a:t>
+            </a:r>
+          </a:p>
+          <a:p>
+            <a:r>
+              <a:rPr lang="en-US" sz="1000" dirty="0" smtClean="0">
+                <a:solidFill>
+                  <a:srgbClr val="00FF00"/>
+                </a:solidFill>
+              </a:rPr>
+              <a:t>    </a:t>
+            </a:r>
+            <a:r>
+              <a:rPr lang="en-US" sz="1000" dirty="0">
+                <a:solidFill>
+                  <a:srgbClr val="00FF00"/>
+                </a:solidFill>
+              </a:rPr>
+              <a:t>should heat up when shot to 100 </a:t>
+            </a:r>
+            <a:r>
+              <a:rPr lang="en-US" sz="1000" dirty="0" smtClean="0">
+                <a:solidFill>
+                  <a:srgbClr val="00FF00"/>
+                </a:solidFill>
+              </a:rPr>
+              <a:t>maximum</a:t>
+            </a:r>
+            <a:endParaRPr lang="en-US" sz="1000" dirty="0">
+              <a:solidFill>
+                <a:srgbClr val="00FF00"/>
+              </a:solidFill>
+            </a:endParaRPr>
+          </a:p>
+          <a:p>
+            <a:r>
+              <a:rPr lang="en-US" sz="1000" dirty="0">
+                <a:solidFill>
+                  <a:srgbClr val="00FF00"/>
+                </a:solidFill>
+              </a:rPr>
+              <a:t>    should overheat at 100 heat, and give a firing </a:t>
+            </a:r>
+            <a:r>
+              <a:rPr lang="en-US" sz="1000" dirty="0" smtClean="0">
+                <a:solidFill>
+                  <a:srgbClr val="00FF00"/>
+                </a:solidFill>
+              </a:rPr>
+              <a:t>penalty</a:t>
+            </a:r>
+            <a:endParaRPr lang="en-US" sz="1000" dirty="0">
+              <a:solidFill>
+                <a:srgbClr val="00FF00"/>
+              </a:solidFill>
+            </a:endParaRPr>
+          </a:p>
+          <a:p>
+            <a:r>
+              <a:rPr lang="en-US" sz="1000" dirty="0">
+                <a:solidFill>
+                  <a:srgbClr val="00FF00"/>
+                </a:solidFill>
+              </a:rPr>
+              <a:t>    should overheat at 100 heat, and give a firing </a:t>
+            </a:r>
+            <a:r>
+              <a:rPr lang="en-US" sz="1000" dirty="0" smtClean="0">
+                <a:solidFill>
+                  <a:srgbClr val="00FF00"/>
+                </a:solidFill>
+              </a:rPr>
+              <a:t>penalty</a:t>
+            </a:r>
+            <a:endParaRPr lang="en-US" sz="1000" dirty="0">
+              <a:solidFill>
+                <a:srgbClr val="00FF00"/>
+              </a:solidFill>
+            </a:endParaRPr>
+          </a:p>
+          <a:p>
+            <a:r>
+              <a:rPr lang="en-US" sz="1000" dirty="0">
+                <a:solidFill>
+                  <a:srgbClr val="00FF00"/>
+                </a:solidFill>
+              </a:rPr>
+              <a:t>    should </a:t>
+            </a:r>
+            <a:r>
+              <a:rPr lang="en-US" sz="1000" dirty="0" err="1">
+                <a:solidFill>
+                  <a:srgbClr val="00FF00"/>
+                </a:solidFill>
+              </a:rPr>
+              <a:t>cooldown</a:t>
+            </a:r>
+            <a:r>
+              <a:rPr lang="en-US" sz="1000" dirty="0">
+                <a:solidFill>
+                  <a:srgbClr val="00FF00"/>
+                </a:solidFill>
+              </a:rPr>
+              <a:t> every @</a:t>
+            </a:r>
+            <a:r>
+              <a:rPr lang="en-US" sz="1000" dirty="0" err="1" smtClean="0">
+                <a:solidFill>
+                  <a:srgbClr val="00FF00"/>
+                </a:solidFill>
+              </a:rPr>
+              <a:t>cooldown_time</a:t>
+            </a:r>
+            <a:endParaRPr lang="en-US" sz="1000" dirty="0" smtClean="0">
+              <a:solidFill>
+                <a:srgbClr val="00FF00"/>
+              </a:solidFill>
+            </a:endParaRPr>
+          </a:p>
+          <a:p>
+            <a:r>
+              <a:rPr lang="en-US" sz="1000" dirty="0" smtClean="0">
+                <a:solidFill>
+                  <a:srgbClr val="00FF00"/>
+                </a:solidFill>
+              </a:rPr>
+              <a:t>    should have a restricted firing rate</a:t>
+            </a:r>
+            <a:endParaRPr lang="en-US" sz="1000" dirty="0">
+              <a:solidFill>
+                <a:srgbClr val="00FF00"/>
+              </a:solidFill>
             </a:endParaRPr>
           </a:p>
         </p:txBody>
@@ -6357,7 +7047,7 @@
     </p:spTree>
     <p:extLst>
       <p:ext uri="{BB962C8B-B14F-4D97-AF65-F5344CB8AC3E}">
-        <p14:creationId xmlns:p14="http://schemas.microsoft.com/office/powerpoint/2010/main" val="1586275071"/>
+        <p14:creationId xmlns:p14="http://schemas.microsoft.com/office/powerpoint/2010/main" val="2860934286"/>
       </p:ext>
     </p:extLst>
   </p:cSld>
@@ -6399,6 +7089,13 @@
           <a:bodyPr/>
           <a:lstStyle/>
           <a:p>
+            <a:r>
+              <a:rPr lang="en-US" dirty="0" smtClean="0">
+                <a:latin typeface="Museo Sans 300"/>
+                <a:cs typeface="Museo Sans 300"/>
+              </a:rPr>
+              <a:t>Unit testing</a:t>
+            </a:r>
             <a:endParaRPr lang="en-US" dirty="0">
               <a:latin typeface="Museo Sans 300"/>
               <a:cs typeface="Museo Sans 300"/>
@@ -6414,8 +7111,8 @@
         </p:nvSpPr>
         <p:spPr>
           <a:xfrm>
-            <a:off x="3209557" y="1822003"/>
-            <a:ext cx="2484526" cy="1015663"/>
+            <a:off x="416870" y="1822003"/>
+            <a:ext cx="8069900" cy="1015663"/>
           </a:xfrm>
           <a:prstGeom prst="rect">
             <a:avLst/>
@@ -6436,7 +7133,17 @@
                 <a:latin typeface="Museo Sans 300"/>
                 <a:cs typeface="Museo Sans 300"/>
               </a:rPr>
-              <a:t>DEMO</a:t>
+              <a:t>Show specs on </a:t>
+            </a:r>
+            <a:r>
+              <a:rPr lang="en-US" sz="6000" dirty="0" err="1" smtClean="0">
+                <a:solidFill>
+                  <a:srgbClr val="008000"/>
+                </a:solidFill>
+                <a:latin typeface="Museo Sans 300"/>
+                <a:cs typeface="Museo Sans 300"/>
+              </a:rPr>
+              <a:t>Github</a:t>
             </a:r>
             <a:endParaRPr lang="en-US" sz="6000" dirty="0">
               <a:solidFill>
@@ -6451,7 +7158,7 @@
     </p:spTree>
     <p:extLst>
       <p:ext uri="{BB962C8B-B14F-4D97-AF65-F5344CB8AC3E}">
-        <p14:creationId xmlns:p14="http://schemas.microsoft.com/office/powerpoint/2010/main" val="2061176747"/>
+        <p14:creationId xmlns:p14="http://schemas.microsoft.com/office/powerpoint/2010/main" val="1586275071"/>
       </p:ext>
     </p:extLst>
   </p:cSld>
@@ -6493,27 +7200,6 @@
           <a:bodyPr/>
           <a:lstStyle/>
           <a:p>
-            <a:r>
-              <a:rPr lang="en-US" dirty="0" smtClean="0">
-                <a:latin typeface="Museo Sans 300"/>
-                <a:cs typeface="Museo Sans 300"/>
-              </a:rPr>
-              <a:t>Preliminary </a:t>
-            </a:r>
-            <a:r>
-              <a:rPr lang="en-US" dirty="0" smtClean="0">
-                <a:latin typeface="Museo Sans 300"/>
-                <a:cs typeface="Museo Sans 300"/>
-              </a:rPr>
-              <a:t>v0.3.0 </a:t>
-            </a:r>
-            <a:r>
-              <a:rPr lang="en-US" dirty="0" smtClean="0">
-                <a:latin typeface="Museo Sans 300"/>
-                <a:cs typeface="Museo Sans 300"/>
-              </a:rPr>
-              <a:t>Planning</a:t>
-            </a:r>
             <a:endParaRPr lang="en-US" dirty="0">
               <a:latin typeface="Museo Sans 300"/>
               <a:cs typeface="Museo Sans 300"/>
@@ -6521,10 +7207,52 @@
           </a:p>
         </p:txBody>
       </p:sp>
+      <p:sp>
+        <p:nvSpPr>
+          <p:cNvPr id="3" name="Rectangle 2"/>
+          <p:cNvSpPr/>
+          <p:nvPr/>
+        </p:nvSpPr>
+        <p:spPr>
+          <a:xfrm>
+            <a:off x="3209557" y="1822003"/>
+            <a:ext cx="2484526" cy="1015663"/>
+          </a:xfrm>
+          <a:prstGeom prst="rect">
+            <a:avLst/>
+          </a:prstGeom>
+        </p:spPr>
+        <p:txBody>
+          <a:bodyPr wrap="none">
+            <a:spAutoFit/>
+          </a:bodyPr>
+          <a:lstStyle/>
+          <a:p>
+            <a:pPr algn="ctr"/>
+            <a:r>
+              <a:rPr lang="en-US" sz="6000" dirty="0" smtClean="0">
+                <a:solidFill>
+                  <a:srgbClr val="008000"/>
+                </a:solidFill>
+                <a:latin typeface="Museo Sans 300"/>
+                <a:cs typeface="Museo Sans 300"/>
+              </a:rPr>
+              <a:t>DEMO</a:t>
+            </a:r>
+            <a:endParaRPr lang="en-US" sz="6000" dirty="0">
+              <a:solidFill>
+                <a:srgbClr val="008000"/>
+              </a:solidFill>
+              <a:latin typeface="Museo Sans 300"/>
+              <a:cs typeface="Museo Sans 300"/>
+            </a:endParaRPr>
+          </a:p>
+        </p:txBody>
+      </p:sp>
     </p:spTree>
     <p:extLst>
       <p:ext uri="{BB962C8B-B14F-4D97-AF65-F5344CB8AC3E}">
-        <p14:creationId xmlns:p14="http://schemas.microsoft.com/office/powerpoint/2010/main" val="2493348464"/>
+        <p14:creationId xmlns:p14="http://schemas.microsoft.com/office/powerpoint/2010/main" val="2061176747"/>
       </p:ext>
     </p:extLst>
   </p:cSld>

--- a/docs/presentation-3.pptx
+++ b/docs/presentation-3.pptx
@@ -5474,7 +5474,7 @@
         <p:spPr>
           <a:xfrm>
             <a:off x="1674597" y="1333103"/>
-            <a:ext cx="4975867" cy="2031325"/>
+            <a:ext cx="4731984" cy="2031325"/>
           </a:xfrm>
           <a:prstGeom prst="rect">
             <a:avLst/>
@@ -5650,22 +5650,22 @@
             <a:r>
               <a:rPr lang="en-US" sz="1400" dirty="0">
                 <a:solidFill>
-                  <a:schemeClr val="bg1"/>
-                </a:solidFill>
-              </a:rPr>
-              <a:t> </a:t>
-            </a:r>
-            <a:r>
-              <a:rPr lang="en-US" sz="1400" dirty="0">
-                <a:solidFill>
-                  <a:srgbClr val="AC202C"/>
-                </a:solidFill>
-              </a:rPr>
-              <a:t>   should create an explosion on collision with laser (FAILED - 1)</a:t>
+                  <a:srgbClr val="00FF00"/>
+                </a:solidFill>
+              </a:rPr>
+              <a:t>    should create an explosion on collision with </a:t>
+            </a:r>
+            <a:r>
+              <a:rPr lang="en-US" sz="1400" dirty="0" smtClean="0">
+                <a:solidFill>
+                  <a:srgbClr val="00FF00"/>
+                </a:solidFill>
+              </a:rPr>
+              <a:t>laser</a:t>
             </a:r>
             <a:endParaRPr lang="en-US" sz="1400" dirty="0" smtClean="0">
               <a:solidFill>
-                <a:srgbClr val="AC202C"/>
+                <a:srgbClr val="00FF00"/>
               </a:solidFill>
             </a:endParaRPr>
           </a:p>
@@ -6546,27 +6546,6 @@
                 <a:schemeClr val="bg1"/>
               </a:solidFill>
             </a:endParaRPr>
-          </a:p>
-          <a:p>
-            <a:r>
-              <a:rPr lang="en-US" sz="1200" dirty="0">
-                <a:solidFill>
-                  <a:schemeClr val="bg1"/>
-                </a:solidFill>
-              </a:rPr>
-              <a:t>Finished in 1.27 seconds</a:t>
-            </a:r>
-          </a:p>
-          <a:p>
-            <a:r>
-              <a:rPr lang="en-US" sz="1200" dirty="0">
-                <a:solidFill>
-                  <a:schemeClr val="bg1"/>
-                </a:solidFill>
-              </a:rPr>
-              <a:t>6 examples, 0 failures</a:t>
-            </a:r>
-            <a:endParaRPr lang="en-US" sz="1200" dirty="0"/>
           </a:p>
         </p:txBody>
       </p:sp>
